--- a/3 - Offensive Security Tactics for Linux Professionals - Active Reconnaissance.pptx
+++ b/3 - Offensive Security Tactics for Linux Professionals - Active Reconnaissance.pptx
@@ -5,7 +5,7 @@
     <p:sldMasterId id="2147483648" r:id="rId1"/>
   </p:sldMasterIdLst>
   <p:notesMasterIdLst>
-    <p:notesMasterId r:id="rId24"/>
+    <p:notesMasterId r:id="rId27"/>
   </p:notesMasterIdLst>
   <p:sldIdLst>
     <p:sldId id="256" r:id="rId2"/>
@@ -30,6 +30,9 @@
     <p:sldId id="278" r:id="rId21"/>
     <p:sldId id="279" r:id="rId22"/>
     <p:sldId id="280" r:id="rId23"/>
+    <p:sldId id="281" r:id="rId24"/>
+    <p:sldId id="282" r:id="rId25"/>
+    <p:sldId id="283" r:id="rId26"/>
   </p:sldIdLst>
   <p:sldSz cx="12192000" cy="6858000"/>
   <p:notesSz cx="6858000" cy="9144000"/>
@@ -12174,7 +12177,7 @@
           <a:p>
             <a:fld id="{CAC8DC2F-1056-472E-80EB-EAADF9D565BE}" type="datetimeFigureOut">
               <a:rPr lang="en-GB" smtClean="0"/>
-              <a:t>07/04/2022</a:t>
+              <a:t>10/04/2022</a:t>
             </a:fld>
             <a:endParaRPr lang="en-GB"/>
           </a:p>
@@ -12527,8 +12530,22 @@
           <a:p>
             <a:r>
               <a:rPr lang="en-GB" dirty="0"/>
-              <a:t>Finally I’ll be discussing vulnerability/port scanning with burner machines. </a:t>
+              <a:t>Next I’ll be discussing vulnerability/port scanning with burner machines. </a:t>
             </a:r>
+          </a:p>
+          <a:p>
+            <a:endParaRPr lang="en-GB" dirty="0"/>
+          </a:p>
+          <a:p>
+            <a:r>
+              <a:rPr lang="en-GB" dirty="0"/>
+              <a:t>I’ll also be discussing exposed git repositories and how this can help </a:t>
+            </a:r>
+            <a:r>
+              <a:rPr lang="en-GB"/>
+              <a:t>us offensively.</a:t>
+            </a:r>
+            <a:endParaRPr lang="en-GB" dirty="0"/>
           </a:p>
         </p:txBody>
       </p:sp>
@@ -13388,7 +13405,7 @@
             <a:fld id="{B61BEF0D-F0BB-DE4B-95CE-6DB70DBA9567}" type="datetimeFigureOut">
               <a:rPr lang="en-US" dirty="0"/>
               <a:pPr/>
-              <a:t>4/7/2022</a:t>
+              <a:t>4/10/2022</a:t>
             </a:fld>
             <a:endParaRPr lang="en-US" dirty="0"/>
           </a:p>
@@ -13647,7 +13664,7 @@
             <a:fld id="{B61BEF0D-F0BB-DE4B-95CE-6DB70DBA9567}" type="datetimeFigureOut">
               <a:rPr lang="en-US" dirty="0"/>
               <a:pPr/>
-              <a:t>4/7/2022</a:t>
+              <a:t>4/10/2022</a:t>
             </a:fld>
             <a:endParaRPr lang="en-US" dirty="0"/>
           </a:p>
@@ -13879,7 +13896,7 @@
             <a:fld id="{B61BEF0D-F0BB-DE4B-95CE-6DB70DBA9567}" type="datetimeFigureOut">
               <a:rPr lang="en-US" dirty="0"/>
               <a:pPr/>
-              <a:t>4/7/2022</a:t>
+              <a:t>4/10/2022</a:t>
             </a:fld>
             <a:endParaRPr lang="en-US" dirty="0"/>
           </a:p>
@@ -14116,7 +14133,7 @@
             <a:fld id="{B61BEF0D-F0BB-DE4B-95CE-6DB70DBA9567}" type="datetimeFigureOut">
               <a:rPr lang="en-US" dirty="0"/>
               <a:pPr/>
-              <a:t>4/7/2022</a:t>
+              <a:t>4/10/2022</a:t>
             </a:fld>
             <a:endParaRPr lang="en-US" dirty="0"/>
           </a:p>
@@ -14420,7 +14437,7 @@
             <a:fld id="{B61BEF0D-F0BB-DE4B-95CE-6DB70DBA9567}" type="datetimeFigureOut">
               <a:rPr lang="en-US" dirty="0"/>
               <a:pPr/>
-              <a:t>4/7/2022</a:t>
+              <a:t>4/10/2022</a:t>
             </a:fld>
             <a:endParaRPr lang="en-US" dirty="0"/>
           </a:p>
@@ -14719,7 +14736,7 @@
             <a:fld id="{B61BEF0D-F0BB-DE4B-95CE-6DB70DBA9567}" type="datetimeFigureOut">
               <a:rPr lang="en-US" dirty="0"/>
               <a:pPr/>
-              <a:t>4/7/2022</a:t>
+              <a:t>4/10/2022</a:t>
             </a:fld>
             <a:endParaRPr lang="en-US" dirty="0"/>
           </a:p>
@@ -15138,7 +15155,7 @@
             <a:fld id="{B61BEF0D-F0BB-DE4B-95CE-6DB70DBA9567}" type="datetimeFigureOut">
               <a:rPr lang="en-US" dirty="0"/>
               <a:pPr/>
-              <a:t>4/7/2022</a:t>
+              <a:t>4/10/2022</a:t>
             </a:fld>
             <a:endParaRPr lang="en-US" dirty="0"/>
           </a:p>
@@ -15297,7 +15314,7 @@
             <a:fld id="{B61BEF0D-F0BB-DE4B-95CE-6DB70DBA9567}" type="datetimeFigureOut">
               <a:rPr lang="en-US" dirty="0"/>
               <a:pPr/>
-              <a:t>4/7/2022</a:t>
+              <a:t>4/10/2022</a:t>
             </a:fld>
             <a:endParaRPr lang="en-US" dirty="0"/>
           </a:p>
@@ -15389,7 +15406,7 @@
             <a:fld id="{B61BEF0D-F0BB-DE4B-95CE-6DB70DBA9567}" type="datetimeFigureOut">
               <a:rPr lang="en-US" dirty="0"/>
               <a:pPr/>
-              <a:t>4/7/2022</a:t>
+              <a:t>4/10/2022</a:t>
             </a:fld>
             <a:endParaRPr lang="en-US" dirty="0"/>
           </a:p>
@@ -15764,7 +15781,7 @@
             <a:fld id="{B61BEF0D-F0BB-DE4B-95CE-6DB70DBA9567}" type="datetimeFigureOut">
               <a:rPr lang="en-US" dirty="0"/>
               <a:pPr/>
-              <a:t>4/7/2022</a:t>
+              <a:t>4/10/2022</a:t>
             </a:fld>
             <a:endParaRPr lang="en-US" dirty="0"/>
           </a:p>
@@ -16050,7 +16067,7 @@
             <a:fld id="{B61BEF0D-F0BB-DE4B-95CE-6DB70DBA9567}" type="datetimeFigureOut">
               <a:rPr lang="en-US" dirty="0"/>
               <a:pPr/>
-              <a:t>4/7/2022</a:t>
+              <a:t>4/10/2022</a:t>
             </a:fld>
             <a:endParaRPr lang="en-US" dirty="0"/>
           </a:p>
@@ -16258,7 +16275,7 @@
             <a:fld id="{B61BEF0D-F0BB-DE4B-95CE-6DB70DBA9567}" type="datetimeFigureOut">
               <a:rPr lang="en-US" dirty="0"/>
               <a:pPr/>
-              <a:t>4/7/2022</a:t>
+              <a:t>4/10/2022</a:t>
             </a:fld>
             <a:endParaRPr lang="en-US" dirty="0"/>
           </a:p>
@@ -20418,6 +20435,36 @@
               <a:t>Exposed Git repositories</a:t>
             </a:r>
           </a:p>
+          <a:p>
+            <a:pPr algn="ctr"/>
+            <a:r>
+              <a:rPr lang="en-GB" sz="2000" dirty="0">
+                <a:solidFill>
+                  <a:schemeClr val="accent2">
+                    <a:lumMod val="50000"/>
+                  </a:schemeClr>
+                </a:solidFill>
+              </a:rPr>
+              <a:t>How to protect </a:t>
+            </a:r>
+            <a:r>
+              <a:rPr lang="en-GB" sz="2000">
+                <a:solidFill>
+                  <a:schemeClr val="accent2">
+                    <a:lumMod val="50000"/>
+                  </a:schemeClr>
+                </a:solidFill>
+              </a:rPr>
+              <a:t>your organisation?</a:t>
+            </a:r>
+            <a:endParaRPr lang="en-GB" sz="2000" dirty="0">
+              <a:solidFill>
+                <a:schemeClr val="accent2">
+                  <a:lumMod val="50000"/>
+                </a:schemeClr>
+              </a:solidFill>
+            </a:endParaRPr>
+          </a:p>
         </p:txBody>
       </p:sp>
     </p:spTree>
@@ -20785,6 +20832,55 @@
                       </p:childTnLst>
                     </p:cTn>
                   </p:par>
+                  <p:par>
+                    <p:cTn id="32" fill="hold">
+                      <p:stCondLst>
+                        <p:cond delay="indefinite"/>
+                      </p:stCondLst>
+                      <p:childTnLst>
+                        <p:par>
+                          <p:cTn id="33" fill="hold">
+                            <p:stCondLst>
+                              <p:cond delay="0"/>
+                            </p:stCondLst>
+                            <p:childTnLst>
+                              <p:par>
+                                <p:cTn id="34" presetID="1" presetClass="entr" presetSubtype="0" fill="hold" nodeType="clickEffect">
+                                  <p:stCondLst>
+                                    <p:cond delay="0"/>
+                                  </p:stCondLst>
+                                  <p:childTnLst>
+                                    <p:set>
+                                      <p:cBhvr>
+                                        <p:cTn id="35" dur="1" fill="hold">
+                                          <p:stCondLst>
+                                            <p:cond delay="0"/>
+                                          </p:stCondLst>
+                                        </p:cTn>
+                                        <p:tgtEl>
+                                          <p:spTgt spid="19">
+                                            <p:txEl>
+                                              <p:pRg st="6" end="6"/>
+                                            </p:txEl>
+                                          </p:spTgt>
+                                        </p:tgtEl>
+                                        <p:attrNameLst>
+                                          <p:attrName>style.visibility</p:attrName>
+                                        </p:attrNameLst>
+                                      </p:cBhvr>
+                                      <p:to>
+                                        <p:strVal val="visible"/>
+                                      </p:to>
+                                    </p:set>
+                                  </p:childTnLst>
+                                </p:cTn>
+                              </p:par>
+                            </p:childTnLst>
+                          </p:cTn>
+                        </p:par>
+                      </p:childTnLst>
+                    </p:cTn>
+                  </p:par>
                 </p:childTnLst>
               </p:cTn>
               <p:prevCondLst>
@@ -21572,6 +21668,963 @@
     <p:extLst>
       <p:ext uri="{BB962C8B-B14F-4D97-AF65-F5344CB8AC3E}">
         <p14:creationId xmlns:p14="http://schemas.microsoft.com/office/powerpoint/2010/main" val="4239852123"/>
+      </p:ext>
+    </p:extLst>
+  </p:cSld>
+  <p:clrMapOvr>
+    <a:masterClrMapping/>
+  </p:clrMapOvr>
+</p:sld>
+</file>
+
+<file path=ppt/slides/slide23.xml><?xml version="1.0" encoding="utf-8"?>
+<p:sld xmlns:a="http://schemas.openxmlformats.org/drawingml/2006/main" xmlns:r="http://schemas.openxmlformats.org/officeDocument/2006/relationships" xmlns:p="http://schemas.openxmlformats.org/presentationml/2006/main">
+  <p:cSld>
+    <p:bg>
+      <p:bgPr>
+        <a:solidFill>
+          <a:schemeClr val="bg1"/>
+        </a:solidFill>
+        <a:effectLst/>
+      </p:bgPr>
+    </p:bg>
+    <p:spTree>
+      <p:nvGrpSpPr>
+        <p:cNvPr id="1" name=""/>
+        <p:cNvGrpSpPr/>
+        <p:nvPr/>
+      </p:nvGrpSpPr>
+      <p:grpSpPr>
+        <a:xfrm>
+          <a:off x="0" y="0"/>
+          <a:ext cx="0" cy="0"/>
+          <a:chOff x="0" y="0"/>
+          <a:chExt cx="0" cy="0"/>
+        </a:xfrm>
+      </p:grpSpPr>
+      <p:sp>
+        <p:nvSpPr>
+          <p:cNvPr id="10" name="Rectangle 9">
+            <a:extLst>
+              <a:ext uri="{FF2B5EF4-FFF2-40B4-BE49-F238E27FC236}">
+                <a16:creationId xmlns:a16="http://schemas.microsoft.com/office/drawing/2014/main" id="{DB691D59-8F51-4DD8-AD41-D568D29B08F8}"/>
+              </a:ext>
+              <a:ext uri="{C183D7F6-B498-43B3-948B-1728B52AA6E4}">
+                <adec:decorative xmlns:adec="http://schemas.microsoft.com/office/drawing/2017/decorative" val="1"/>
+              </a:ext>
+            </a:extLst>
+          </p:cNvPr>
+          <p:cNvSpPr>
+            <a:spLocks noGrp="1" noRot="1" noChangeAspect="1" noMove="1" noResize="1" noEditPoints="1" noAdjustHandles="1" noChangeArrowheads="1" noChangeShapeType="1" noTextEdit="1"/>
+          </p:cNvSpPr>
+          <p:nvPr>
+            <p:extLst>
+              <p:ext uri="{386F3935-93C4-4BCD-93E2-E3B085C9AB24}">
+                <p16:designElem xmlns:p16="http://schemas.microsoft.com/office/powerpoint/2015/main" val="1"/>
+              </p:ext>
+            </p:extLst>
+          </p:nvPr>
+        </p:nvSpPr>
+        <p:spPr>
+          <a:xfrm>
+            <a:off x="446534" y="457200"/>
+            <a:ext cx="3703320" cy="94997"/>
+          </a:xfrm>
+          <a:prstGeom prst="rect">
+            <a:avLst/>
+          </a:prstGeom>
+          <a:solidFill>
+            <a:schemeClr val="accent1"/>
+          </a:solidFill>
+          <a:ln>
+            <a:noFill/>
+          </a:ln>
+          <a:effectLst/>
+        </p:spPr>
+        <p:style>
+          <a:lnRef idx="1">
+            <a:schemeClr val="accent1"/>
+          </a:lnRef>
+          <a:fillRef idx="3">
+            <a:schemeClr val="accent1"/>
+          </a:fillRef>
+          <a:effectRef idx="2">
+            <a:schemeClr val="accent1"/>
+          </a:effectRef>
+          <a:fontRef idx="minor">
+            <a:schemeClr val="lt1"/>
+          </a:fontRef>
+        </p:style>
+      </p:sp>
+      <p:sp>
+        <p:nvSpPr>
+          <p:cNvPr id="12" name="Rectangle 11">
+            <a:extLst>
+              <a:ext uri="{FF2B5EF4-FFF2-40B4-BE49-F238E27FC236}">
+                <a16:creationId xmlns:a16="http://schemas.microsoft.com/office/drawing/2014/main" id="{204AEF18-0627-48F3-9B3D-F7E8F050B1D4}"/>
+              </a:ext>
+              <a:ext uri="{C183D7F6-B498-43B3-948B-1728B52AA6E4}">
+                <adec:decorative xmlns:adec="http://schemas.microsoft.com/office/drawing/2017/decorative" val="1"/>
+              </a:ext>
+            </a:extLst>
+          </p:cNvPr>
+          <p:cNvSpPr>
+            <a:spLocks noGrp="1" noRot="1" noChangeAspect="1" noMove="1" noResize="1" noEditPoints="1" noAdjustHandles="1" noChangeArrowheads="1" noChangeShapeType="1" noTextEdit="1"/>
+          </p:cNvSpPr>
+          <p:nvPr>
+            <p:extLst>
+              <p:ext uri="{386F3935-93C4-4BCD-93E2-E3B085C9AB24}">
+                <p16:designElem xmlns:p16="http://schemas.microsoft.com/office/powerpoint/2015/main" val="1"/>
+              </p:ext>
+            </p:extLst>
+          </p:nvPr>
+        </p:nvSpPr>
+        <p:spPr>
+          <a:xfrm>
+            <a:off x="8042147" y="453643"/>
+            <a:ext cx="3703320" cy="98554"/>
+          </a:xfrm>
+          <a:prstGeom prst="rect">
+            <a:avLst/>
+          </a:prstGeom>
+          <a:solidFill>
+            <a:schemeClr val="accent4"/>
+          </a:solidFill>
+          <a:ln>
+            <a:noFill/>
+          </a:ln>
+          <a:effectLst/>
+        </p:spPr>
+        <p:style>
+          <a:lnRef idx="1">
+            <a:schemeClr val="accent1"/>
+          </a:lnRef>
+          <a:fillRef idx="3">
+            <a:schemeClr val="accent1"/>
+          </a:fillRef>
+          <a:effectRef idx="2">
+            <a:schemeClr val="accent1"/>
+          </a:effectRef>
+          <a:fontRef idx="minor">
+            <a:schemeClr val="lt1"/>
+          </a:fontRef>
+        </p:style>
+      </p:sp>
+      <p:sp>
+        <p:nvSpPr>
+          <p:cNvPr id="14" name="Rectangle 13">
+            <a:extLst>
+              <a:ext uri="{FF2B5EF4-FFF2-40B4-BE49-F238E27FC236}">
+                <a16:creationId xmlns:a16="http://schemas.microsoft.com/office/drawing/2014/main" id="{CEAEE08A-C572-438F-9753-B0D527A515A7}"/>
+              </a:ext>
+              <a:ext uri="{C183D7F6-B498-43B3-948B-1728B52AA6E4}">
+                <adec:decorative xmlns:adec="http://schemas.microsoft.com/office/drawing/2017/decorative" val="1"/>
+              </a:ext>
+            </a:extLst>
+          </p:cNvPr>
+          <p:cNvSpPr>
+            <a:spLocks noGrp="1" noRot="1" noChangeAspect="1" noMove="1" noResize="1" noEditPoints="1" noAdjustHandles="1" noChangeArrowheads="1" noChangeShapeType="1" noTextEdit="1"/>
+          </p:cNvSpPr>
+          <p:nvPr>
+            <p:extLst>
+              <p:ext uri="{386F3935-93C4-4BCD-93E2-E3B085C9AB24}">
+                <p16:designElem xmlns:p16="http://schemas.microsoft.com/office/powerpoint/2015/main" val="1"/>
+              </p:ext>
+            </p:extLst>
+          </p:nvPr>
+        </p:nvSpPr>
+        <p:spPr>
+          <a:xfrm>
+            <a:off x="4241830" y="457200"/>
+            <a:ext cx="3703320" cy="91440"/>
+          </a:xfrm>
+          <a:prstGeom prst="rect">
+            <a:avLst/>
+          </a:prstGeom>
+          <a:solidFill>
+            <a:schemeClr val="accent2"/>
+          </a:solidFill>
+          <a:ln>
+            <a:noFill/>
+          </a:ln>
+          <a:effectLst/>
+        </p:spPr>
+        <p:style>
+          <a:lnRef idx="1">
+            <a:schemeClr val="accent1"/>
+          </a:lnRef>
+          <a:fillRef idx="3">
+            <a:schemeClr val="accent1"/>
+          </a:fillRef>
+          <a:effectRef idx="2">
+            <a:schemeClr val="accent1"/>
+          </a:effectRef>
+          <a:fontRef idx="minor">
+            <a:schemeClr val="lt1"/>
+          </a:fontRef>
+        </p:style>
+      </p:sp>
+      <p:sp>
+        <p:nvSpPr>
+          <p:cNvPr id="16" name="Rectangle 15">
+            <a:extLst>
+              <a:ext uri="{FF2B5EF4-FFF2-40B4-BE49-F238E27FC236}">
+                <a16:creationId xmlns:a16="http://schemas.microsoft.com/office/drawing/2014/main" id="{DB93146F-62ED-4C59-844C-0935D0FB5031}"/>
+              </a:ext>
+              <a:ext uri="{C183D7F6-B498-43B3-948B-1728B52AA6E4}">
+                <adec:decorative xmlns:adec="http://schemas.microsoft.com/office/drawing/2017/decorative" val="1"/>
+              </a:ext>
+            </a:extLst>
+          </p:cNvPr>
+          <p:cNvSpPr>
+            <a:spLocks noGrp="1" noRot="1" noChangeAspect="1" noMove="1" noResize="1" noEditPoints="1" noAdjustHandles="1" noChangeArrowheads="1" noChangeShapeType="1" noTextEdit="1"/>
+          </p:cNvSpPr>
+          <p:nvPr>
+            <p:extLst>
+              <p:ext uri="{386F3935-93C4-4BCD-93E2-E3B085C9AB24}">
+                <p16:designElem xmlns:p16="http://schemas.microsoft.com/office/powerpoint/2015/main" val="1"/>
+              </p:ext>
+            </p:extLst>
+          </p:nvPr>
+        </p:nvSpPr>
+        <p:spPr>
+          <a:xfrm>
+            <a:off x="446534" y="3085765"/>
+            <a:ext cx="11262866" cy="3304800"/>
+          </a:xfrm>
+          <a:prstGeom prst="rect">
+            <a:avLst/>
+          </a:prstGeom>
+          <a:solidFill>
+            <a:schemeClr val="accent1"/>
+          </a:solidFill>
+          <a:ln>
+            <a:noFill/>
+          </a:ln>
+          <a:effectLst/>
+        </p:spPr>
+        <p:style>
+          <a:lnRef idx="1">
+            <a:schemeClr val="accent1"/>
+          </a:lnRef>
+          <a:fillRef idx="3">
+            <a:schemeClr val="accent1"/>
+          </a:fillRef>
+          <a:effectRef idx="2">
+            <a:schemeClr val="accent1"/>
+          </a:effectRef>
+          <a:fontRef idx="minor">
+            <a:schemeClr val="lt1"/>
+          </a:fontRef>
+        </p:style>
+      </p:sp>
+      <p:sp useBgFill="1">
+        <p:nvSpPr>
+          <p:cNvPr id="18" name="Rectangle 17">
+            <a:extLst>
+              <a:ext uri="{FF2B5EF4-FFF2-40B4-BE49-F238E27FC236}">
+                <a16:creationId xmlns:a16="http://schemas.microsoft.com/office/drawing/2014/main" id="{BF3D65BA-1C65-40FB-92EF-83951BDC1D7C}"/>
+              </a:ext>
+              <a:ext uri="{C183D7F6-B498-43B3-948B-1728B52AA6E4}">
+                <adec:decorative xmlns:adec="http://schemas.microsoft.com/office/drawing/2017/decorative" val="1"/>
+              </a:ext>
+            </a:extLst>
+          </p:cNvPr>
+          <p:cNvSpPr>
+            <a:spLocks noGrp="1" noRot="1" noChangeAspect="1" noMove="1" noResize="1" noEditPoints="1" noAdjustHandles="1" noChangeArrowheads="1" noChangeShapeType="1" noTextEdit="1"/>
+          </p:cNvSpPr>
+          <p:nvPr>
+            <p:extLst>
+              <p:ext uri="{386F3935-93C4-4BCD-93E2-E3B085C9AB24}">
+                <p16:designElem xmlns:p16="http://schemas.microsoft.com/office/powerpoint/2015/main" val="1"/>
+              </p:ext>
+            </p:extLst>
+          </p:nvPr>
+        </p:nvSpPr>
+        <p:spPr>
+          <a:xfrm>
+            <a:off x="0" y="638175"/>
+            <a:ext cx="12191999" cy="6219825"/>
+          </a:xfrm>
+          <a:prstGeom prst="rect">
+            <a:avLst/>
+          </a:prstGeom>
+          <a:ln>
+            <a:noFill/>
+          </a:ln>
+        </p:spPr>
+        <p:style>
+          <a:lnRef idx="2">
+            <a:schemeClr val="accent1">
+              <a:shade val="50000"/>
+            </a:schemeClr>
+          </a:lnRef>
+          <a:fillRef idx="1">
+            <a:schemeClr val="accent1"/>
+          </a:fillRef>
+          <a:effectRef idx="0">
+            <a:schemeClr val="accent1"/>
+          </a:effectRef>
+          <a:fontRef idx="minor">
+            <a:schemeClr val="lt1"/>
+          </a:fontRef>
+        </p:style>
+        <p:txBody>
+          <a:bodyPr rtlCol="0" anchor="ctr"/>
+          <a:lstStyle/>
+          <a:p>
+            <a:pPr algn="ctr"/>
+            <a:endParaRPr lang="en-US"/>
+          </a:p>
+        </p:txBody>
+      </p:sp>
+      <p:pic>
+        <p:nvPicPr>
+          <p:cNvPr id="7" name="Graphic 6" descr="Help">
+            <a:extLst>
+              <a:ext uri="{FF2B5EF4-FFF2-40B4-BE49-F238E27FC236}">
+                <a16:creationId xmlns:a16="http://schemas.microsoft.com/office/drawing/2014/main" id="{48ADC2C5-AD90-D203-C7A0-AE33C1486885}"/>
+              </a:ext>
+            </a:extLst>
+          </p:cNvPr>
+          <p:cNvPicPr>
+            <a:picLocks noChangeAspect="1"/>
+          </p:cNvPicPr>
+          <p:nvPr/>
+        </p:nvPicPr>
+        <p:blipFill>
+          <a:blip r:embed="rId2">
+            <a:extLst>
+              <a:ext uri="{28A0092B-C50C-407E-A947-70E740481C1C}">
+                <a14:useLocalDpi xmlns:a14="http://schemas.microsoft.com/office/drawing/2010/main" val="0"/>
+              </a:ext>
+              <a:ext uri="{96DAC541-7B7A-43D3-8B79-37D633B846F1}">
+                <asvg:svgBlip xmlns:asvg="http://schemas.microsoft.com/office/drawing/2016/SVG/main" r:embed="rId3"/>
+              </a:ext>
+            </a:extLst>
+          </a:blip>
+          <a:stretch>
+            <a:fillRect/>
+          </a:stretch>
+        </p:blipFill>
+        <p:spPr>
+          <a:xfrm>
+            <a:off x="1673502" y="1047665"/>
+            <a:ext cx="5030386" cy="5030386"/>
+          </a:xfrm>
+          <a:prstGeom prst="rect">
+            <a:avLst/>
+          </a:prstGeom>
+        </p:spPr>
+      </p:pic>
+      <p:sp>
+        <p:nvSpPr>
+          <p:cNvPr id="20" name="Rectangle 19">
+            <a:extLst>
+              <a:ext uri="{FF2B5EF4-FFF2-40B4-BE49-F238E27FC236}">
+                <a16:creationId xmlns:a16="http://schemas.microsoft.com/office/drawing/2014/main" id="{ADF52CCA-FCDD-49A0-BFFC-3BD41F1B827A}"/>
+              </a:ext>
+              <a:ext uri="{C183D7F6-B498-43B3-948B-1728B52AA6E4}">
+                <adec:decorative xmlns:adec="http://schemas.microsoft.com/office/drawing/2017/decorative" val="1"/>
+              </a:ext>
+            </a:extLst>
+          </p:cNvPr>
+          <p:cNvSpPr>
+            <a:spLocks noGrp="1" noRot="1" noChangeAspect="1" noMove="1" noResize="1" noEditPoints="1" noAdjustHandles="1" noChangeArrowheads="1" noChangeShapeType="1" noTextEdit="1"/>
+          </p:cNvSpPr>
+          <p:nvPr>
+            <p:extLst>
+              <p:ext uri="{386F3935-93C4-4BCD-93E2-E3B085C9AB24}">
+                <p16:designElem xmlns:p16="http://schemas.microsoft.com/office/powerpoint/2015/main" val="1"/>
+              </p:ext>
+            </p:extLst>
+          </p:nvPr>
+        </p:nvSpPr>
+        <p:spPr>
+          <a:xfrm>
+            <a:off x="8042147" y="723899"/>
+            <a:ext cx="3703320" cy="5666666"/>
+          </a:xfrm>
+          <a:prstGeom prst="rect">
+            <a:avLst/>
+          </a:prstGeom>
+          <a:solidFill>
+            <a:schemeClr val="accent1"/>
+          </a:solidFill>
+          <a:ln>
+            <a:noFill/>
+          </a:ln>
+          <a:effectLst/>
+        </p:spPr>
+        <p:style>
+          <a:lnRef idx="1">
+            <a:schemeClr val="accent1"/>
+          </a:lnRef>
+          <a:fillRef idx="3">
+            <a:schemeClr val="accent1"/>
+          </a:fillRef>
+          <a:effectRef idx="2">
+            <a:schemeClr val="accent1"/>
+          </a:effectRef>
+          <a:fontRef idx="minor">
+            <a:schemeClr val="lt1"/>
+          </a:fontRef>
+        </p:style>
+      </p:sp>
+      <p:sp>
+        <p:nvSpPr>
+          <p:cNvPr id="2" name="Title 1">
+            <a:extLst>
+              <a:ext uri="{FF2B5EF4-FFF2-40B4-BE49-F238E27FC236}">
+                <a16:creationId xmlns:a16="http://schemas.microsoft.com/office/drawing/2014/main" id="{ADC20BAA-7441-4A50-A8EA-5AA42BE0442B}"/>
+              </a:ext>
+            </a:extLst>
+          </p:cNvPr>
+          <p:cNvSpPr>
+            <a:spLocks noGrp="1"/>
+          </p:cNvSpPr>
+          <p:nvPr>
+            <p:ph type="title"/>
+          </p:nvPr>
+        </p:nvSpPr>
+        <p:spPr>
+          <a:xfrm>
+            <a:off x="8296275" y="1419225"/>
+            <a:ext cx="3081576" cy="2085869"/>
+          </a:xfrm>
+        </p:spPr>
+        <p:txBody>
+          <a:bodyPr vert="horz" lIns="91440" tIns="45720" rIns="91440" bIns="45720" rtlCol="0" anchor="b">
+            <a:normAutofit/>
+          </a:bodyPr>
+          <a:lstStyle/>
+          <a:p>
+            <a:r>
+              <a:rPr lang="en-US" sz="3600">
+                <a:solidFill>
+                  <a:srgbClr val="FFFFFF"/>
+                </a:solidFill>
+              </a:rPr>
+              <a:t>Questions</a:t>
+            </a:r>
+          </a:p>
+        </p:txBody>
+      </p:sp>
+    </p:spTree>
+    <p:extLst>
+      <p:ext uri="{BB962C8B-B14F-4D97-AF65-F5344CB8AC3E}">
+        <p14:creationId xmlns:p14="http://schemas.microsoft.com/office/powerpoint/2010/main" val="3097426298"/>
+      </p:ext>
+    </p:extLst>
+  </p:cSld>
+  <p:clrMapOvr>
+    <a:masterClrMapping/>
+  </p:clrMapOvr>
+</p:sld>
+</file>
+
+<file path=ppt/slides/slide24.xml><?xml version="1.0" encoding="utf-8"?>
+<p:sld xmlns:a="http://schemas.openxmlformats.org/drawingml/2006/main" xmlns:r="http://schemas.openxmlformats.org/officeDocument/2006/relationships" xmlns:p="http://schemas.openxmlformats.org/presentationml/2006/main">
+  <p:cSld>
+    <p:bg>
+      <p:bgPr>
+        <a:solidFill>
+          <a:schemeClr val="bg1"/>
+        </a:solidFill>
+        <a:effectLst/>
+      </p:bgPr>
+    </p:bg>
+    <p:spTree>
+      <p:nvGrpSpPr>
+        <p:cNvPr id="1" name=""/>
+        <p:cNvGrpSpPr/>
+        <p:nvPr/>
+      </p:nvGrpSpPr>
+      <p:grpSpPr>
+        <a:xfrm>
+          <a:off x="0" y="0"/>
+          <a:ext cx="0" cy="0"/>
+          <a:chOff x="0" y="0"/>
+          <a:chExt cx="0" cy="0"/>
+        </a:xfrm>
+      </p:grpSpPr>
+      <p:sp>
+        <p:nvSpPr>
+          <p:cNvPr id="8" name="Rectangle 7">
+            <a:extLst>
+              <a:ext uri="{FF2B5EF4-FFF2-40B4-BE49-F238E27FC236}">
+                <a16:creationId xmlns:a16="http://schemas.microsoft.com/office/drawing/2014/main" id="{E9AA9F65-94B8-41A5-A7FF-23D2CFB116BB}"/>
+              </a:ext>
+              <a:ext uri="{C183D7F6-B498-43B3-948B-1728B52AA6E4}">
+                <adec:decorative xmlns:adec="http://schemas.microsoft.com/office/drawing/2017/decorative" val="1"/>
+              </a:ext>
+            </a:extLst>
+          </p:cNvPr>
+          <p:cNvSpPr>
+            <a:spLocks noGrp="1" noRot="1" noChangeAspect="1" noMove="1" noResize="1" noEditPoints="1" noAdjustHandles="1" noChangeArrowheads="1" noChangeShapeType="1" noTextEdit="1"/>
+          </p:cNvSpPr>
+          <p:nvPr>
+            <p:extLst>
+              <p:ext uri="{386F3935-93C4-4BCD-93E2-E3B085C9AB24}">
+                <p16:designElem xmlns:p16="http://schemas.microsoft.com/office/powerpoint/2015/main" val="1"/>
+              </p:ext>
+            </p:extLst>
+          </p:nvPr>
+        </p:nvSpPr>
+        <p:spPr>
+          <a:xfrm>
+            <a:off x="446534" y="457200"/>
+            <a:ext cx="3703320" cy="94997"/>
+          </a:xfrm>
+          <a:prstGeom prst="rect">
+            <a:avLst/>
+          </a:prstGeom>
+          <a:solidFill>
+            <a:schemeClr val="accent1"/>
+          </a:solidFill>
+          <a:ln>
+            <a:noFill/>
+          </a:ln>
+          <a:effectLst/>
+        </p:spPr>
+        <p:style>
+          <a:lnRef idx="1">
+            <a:schemeClr val="accent1"/>
+          </a:lnRef>
+          <a:fillRef idx="3">
+            <a:schemeClr val="accent1"/>
+          </a:fillRef>
+          <a:effectRef idx="2">
+            <a:schemeClr val="accent1"/>
+          </a:effectRef>
+          <a:fontRef idx="minor">
+            <a:schemeClr val="lt1"/>
+          </a:fontRef>
+        </p:style>
+      </p:sp>
+      <p:sp>
+        <p:nvSpPr>
+          <p:cNvPr id="10" name="Rectangle 9">
+            <a:extLst>
+              <a:ext uri="{FF2B5EF4-FFF2-40B4-BE49-F238E27FC236}">
+                <a16:creationId xmlns:a16="http://schemas.microsoft.com/office/drawing/2014/main" id="{7E8B0F8E-3F6C-4541-B9C1-774D80A08834}"/>
+              </a:ext>
+              <a:ext uri="{C183D7F6-B498-43B3-948B-1728B52AA6E4}">
+                <adec:decorative xmlns:adec="http://schemas.microsoft.com/office/drawing/2017/decorative" val="1"/>
+              </a:ext>
+            </a:extLst>
+          </p:cNvPr>
+          <p:cNvSpPr>
+            <a:spLocks noGrp="1" noRot="1" noChangeAspect="1" noMove="1" noResize="1" noEditPoints="1" noAdjustHandles="1" noChangeArrowheads="1" noChangeShapeType="1" noTextEdit="1"/>
+          </p:cNvSpPr>
+          <p:nvPr>
+            <p:extLst>
+              <p:ext uri="{386F3935-93C4-4BCD-93E2-E3B085C9AB24}">
+                <p16:designElem xmlns:p16="http://schemas.microsoft.com/office/powerpoint/2015/main" val="1"/>
+              </p:ext>
+            </p:extLst>
+          </p:nvPr>
+        </p:nvSpPr>
+        <p:spPr>
+          <a:xfrm>
+            <a:off x="8042147" y="453643"/>
+            <a:ext cx="3703320" cy="98554"/>
+          </a:xfrm>
+          <a:prstGeom prst="rect">
+            <a:avLst/>
+          </a:prstGeom>
+          <a:solidFill>
+            <a:schemeClr val="accent4"/>
+          </a:solidFill>
+          <a:ln>
+            <a:noFill/>
+          </a:ln>
+          <a:effectLst/>
+        </p:spPr>
+        <p:style>
+          <a:lnRef idx="1">
+            <a:schemeClr val="accent1"/>
+          </a:lnRef>
+          <a:fillRef idx="3">
+            <a:schemeClr val="accent1"/>
+          </a:fillRef>
+          <a:effectRef idx="2">
+            <a:schemeClr val="accent1"/>
+          </a:effectRef>
+          <a:fontRef idx="minor">
+            <a:schemeClr val="lt1"/>
+          </a:fontRef>
+        </p:style>
+      </p:sp>
+      <p:sp>
+        <p:nvSpPr>
+          <p:cNvPr id="12" name="Rectangle 11">
+            <a:extLst>
+              <a:ext uri="{FF2B5EF4-FFF2-40B4-BE49-F238E27FC236}">
+                <a16:creationId xmlns:a16="http://schemas.microsoft.com/office/drawing/2014/main" id="{7A45F5BC-32D1-41CD-B270-C46F18CA1ACC}"/>
+              </a:ext>
+              <a:ext uri="{C183D7F6-B498-43B3-948B-1728B52AA6E4}">
+                <adec:decorative xmlns:adec="http://schemas.microsoft.com/office/drawing/2017/decorative" val="1"/>
+              </a:ext>
+            </a:extLst>
+          </p:cNvPr>
+          <p:cNvSpPr>
+            <a:spLocks noGrp="1" noRot="1" noChangeAspect="1" noMove="1" noResize="1" noEditPoints="1" noAdjustHandles="1" noChangeArrowheads="1" noChangeShapeType="1" noTextEdit="1"/>
+          </p:cNvSpPr>
+          <p:nvPr>
+            <p:extLst>
+              <p:ext uri="{386F3935-93C4-4BCD-93E2-E3B085C9AB24}">
+                <p16:designElem xmlns:p16="http://schemas.microsoft.com/office/powerpoint/2015/main" val="1"/>
+              </p:ext>
+            </p:extLst>
+          </p:nvPr>
+        </p:nvSpPr>
+        <p:spPr>
+          <a:xfrm>
+            <a:off x="4241830" y="457200"/>
+            <a:ext cx="3703320" cy="91440"/>
+          </a:xfrm>
+          <a:prstGeom prst="rect">
+            <a:avLst/>
+          </a:prstGeom>
+          <a:solidFill>
+            <a:schemeClr val="accent2"/>
+          </a:solidFill>
+          <a:ln>
+            <a:noFill/>
+          </a:ln>
+          <a:effectLst/>
+        </p:spPr>
+        <p:style>
+          <a:lnRef idx="1">
+            <a:schemeClr val="accent1"/>
+          </a:lnRef>
+          <a:fillRef idx="3">
+            <a:schemeClr val="accent1"/>
+          </a:fillRef>
+          <a:effectRef idx="2">
+            <a:schemeClr val="accent1"/>
+          </a:effectRef>
+          <a:fontRef idx="minor">
+            <a:schemeClr val="lt1"/>
+          </a:fontRef>
+        </p:style>
+      </p:sp>
+      <p:sp>
+        <p:nvSpPr>
+          <p:cNvPr id="14" name="Rectangle 13">
+            <a:extLst>
+              <a:ext uri="{FF2B5EF4-FFF2-40B4-BE49-F238E27FC236}">
+                <a16:creationId xmlns:a16="http://schemas.microsoft.com/office/drawing/2014/main" id="{CE57EE13-72B0-4FFA-ACE1-EBDE89340E47}"/>
+              </a:ext>
+              <a:ext uri="{C183D7F6-B498-43B3-948B-1728B52AA6E4}">
+                <adec:decorative xmlns:adec="http://schemas.microsoft.com/office/drawing/2017/decorative" val="1"/>
+              </a:ext>
+            </a:extLst>
+          </p:cNvPr>
+          <p:cNvSpPr>
+            <a:spLocks noGrp="1" noRot="1" noChangeAspect="1" noMove="1" noResize="1" noEditPoints="1" noAdjustHandles="1" noChangeArrowheads="1" noChangeShapeType="1" noTextEdit="1"/>
+          </p:cNvSpPr>
+          <p:nvPr>
+            <p:extLst>
+              <p:ext uri="{386F3935-93C4-4BCD-93E2-E3B085C9AB24}">
+                <p16:designElem xmlns:p16="http://schemas.microsoft.com/office/powerpoint/2015/main" val="1"/>
+              </p:ext>
+            </p:extLst>
+          </p:nvPr>
+        </p:nvSpPr>
+        <p:spPr>
+          <a:xfrm>
+            <a:off x="446534" y="3085765"/>
+            <a:ext cx="11262866" cy="3304800"/>
+          </a:xfrm>
+          <a:prstGeom prst="rect">
+            <a:avLst/>
+          </a:prstGeom>
+          <a:solidFill>
+            <a:schemeClr val="accent1"/>
+          </a:solidFill>
+          <a:ln>
+            <a:noFill/>
+          </a:ln>
+          <a:effectLst/>
+        </p:spPr>
+        <p:style>
+          <a:lnRef idx="1">
+            <a:schemeClr val="accent1"/>
+          </a:lnRef>
+          <a:fillRef idx="3">
+            <a:schemeClr val="accent1"/>
+          </a:fillRef>
+          <a:effectRef idx="2">
+            <a:schemeClr val="accent1"/>
+          </a:effectRef>
+          <a:fontRef idx="minor">
+            <a:schemeClr val="lt1"/>
+          </a:fontRef>
+        </p:style>
+      </p:sp>
+      <p:sp useBgFill="1">
+        <p:nvSpPr>
+          <p:cNvPr id="16" name="Rectangle 15">
+            <a:extLst>
+              <a:ext uri="{FF2B5EF4-FFF2-40B4-BE49-F238E27FC236}">
+                <a16:creationId xmlns:a16="http://schemas.microsoft.com/office/drawing/2014/main" id="{DA182162-B517-4B41-B039-339F87FAE1D0}"/>
+              </a:ext>
+              <a:ext uri="{C183D7F6-B498-43B3-948B-1728B52AA6E4}">
+                <adec:decorative xmlns:adec="http://schemas.microsoft.com/office/drawing/2017/decorative" val="1"/>
+              </a:ext>
+            </a:extLst>
+          </p:cNvPr>
+          <p:cNvSpPr>
+            <a:spLocks noGrp="1" noRot="1" noChangeAspect="1" noMove="1" noResize="1" noEditPoints="1" noAdjustHandles="1" noChangeArrowheads="1" noChangeShapeType="1" noTextEdit="1"/>
+          </p:cNvSpPr>
+          <p:nvPr>
+            <p:extLst>
+              <p:ext uri="{386F3935-93C4-4BCD-93E2-E3B085C9AB24}">
+                <p16:designElem xmlns:p16="http://schemas.microsoft.com/office/powerpoint/2015/main" val="1"/>
+              </p:ext>
+            </p:extLst>
+          </p:nvPr>
+        </p:nvSpPr>
+        <p:spPr>
+          <a:xfrm>
+            <a:off x="0" y="0"/>
+            <a:ext cx="12192000" cy="6858000"/>
+          </a:xfrm>
+          <a:prstGeom prst="rect">
+            <a:avLst/>
+          </a:prstGeom>
+          <a:ln>
+            <a:noFill/>
+          </a:ln>
+        </p:spPr>
+        <p:style>
+          <a:lnRef idx="2">
+            <a:schemeClr val="accent1">
+              <a:shade val="50000"/>
+            </a:schemeClr>
+          </a:lnRef>
+          <a:fillRef idx="1">
+            <a:schemeClr val="accent1"/>
+          </a:fillRef>
+          <a:effectRef idx="0">
+            <a:schemeClr val="accent1"/>
+          </a:effectRef>
+          <a:fontRef idx="minor">
+            <a:schemeClr val="lt1"/>
+          </a:fontRef>
+        </p:style>
+        <p:txBody>
+          <a:bodyPr rtlCol="0" anchor="ctr"/>
+          <a:lstStyle/>
+          <a:p>
+            <a:pPr algn="ctr"/>
+            <a:endParaRPr lang="en-US"/>
+          </a:p>
+        </p:txBody>
+      </p:sp>
+      <p:sp>
+        <p:nvSpPr>
+          <p:cNvPr id="2" name="Title 1">
+            <a:extLst>
+              <a:ext uri="{FF2B5EF4-FFF2-40B4-BE49-F238E27FC236}">
+                <a16:creationId xmlns:a16="http://schemas.microsoft.com/office/drawing/2014/main" id="{71411B85-8F3E-40EC-9AD0-AF2546473643}"/>
+              </a:ext>
+            </a:extLst>
+          </p:cNvPr>
+          <p:cNvSpPr>
+            <a:spLocks noGrp="1"/>
+          </p:cNvSpPr>
+          <p:nvPr>
+            <p:ph type="title"/>
+          </p:nvPr>
+        </p:nvSpPr>
+        <p:spPr>
+          <a:xfrm>
+            <a:off x="958542" y="1005839"/>
+            <a:ext cx="6432313" cy="4805025"/>
+          </a:xfrm>
+        </p:spPr>
+        <p:txBody>
+          <a:bodyPr vert="horz" lIns="91440" tIns="45720" rIns="91440" bIns="45720" rtlCol="0" anchor="ctr">
+            <a:normAutofit/>
+          </a:bodyPr>
+          <a:lstStyle/>
+          <a:p>
+            <a:pPr algn="ctr"/>
+            <a:r>
+              <a:rPr lang="en-US" sz="6000" dirty="0">
+                <a:solidFill>
+                  <a:schemeClr val="tx2"/>
+                </a:solidFill>
+              </a:rPr>
+              <a:t>Next Talk: External Perimeter Testing</a:t>
+            </a:r>
+          </a:p>
+        </p:txBody>
+      </p:sp>
+      <p:sp>
+        <p:nvSpPr>
+          <p:cNvPr id="18" name="Rectangle 17">
+            <a:extLst>
+              <a:ext uri="{FF2B5EF4-FFF2-40B4-BE49-F238E27FC236}">
+                <a16:creationId xmlns:a16="http://schemas.microsoft.com/office/drawing/2014/main" id="{49B5AD54-1E68-4239-A6AF-FE0F49BB8367}"/>
+              </a:ext>
+              <a:ext uri="{C183D7F6-B498-43B3-948B-1728B52AA6E4}">
+                <adec:decorative xmlns:adec="http://schemas.microsoft.com/office/drawing/2017/decorative" val="1"/>
+              </a:ext>
+            </a:extLst>
+          </p:cNvPr>
+          <p:cNvSpPr>
+            <a:spLocks noGrp="1" noRot="1" noChangeAspect="1" noMove="1" noResize="1" noEditPoints="1" noAdjustHandles="1" noChangeArrowheads="1" noChangeShapeType="1" noTextEdit="1"/>
+          </p:cNvSpPr>
+          <p:nvPr>
+            <p:extLst>
+              <p:ext uri="{386F3935-93C4-4BCD-93E2-E3B085C9AB24}">
+                <p16:designElem xmlns:p16="http://schemas.microsoft.com/office/powerpoint/2015/main" val="1"/>
+              </p:ext>
+            </p:extLst>
+          </p:nvPr>
+        </p:nvSpPr>
+        <p:spPr>
+          <a:xfrm>
+            <a:off x="8042147" y="457200"/>
+            <a:ext cx="3703320" cy="5933365"/>
+          </a:xfrm>
+          <a:prstGeom prst="rect">
+            <a:avLst/>
+          </a:prstGeom>
+          <a:solidFill>
+            <a:schemeClr val="accent1"/>
+          </a:solidFill>
+          <a:ln>
+            <a:noFill/>
+          </a:ln>
+          <a:effectLst/>
+        </p:spPr>
+        <p:style>
+          <a:lnRef idx="1">
+            <a:schemeClr val="accent1"/>
+          </a:lnRef>
+          <a:fillRef idx="3">
+            <a:schemeClr val="accent1"/>
+          </a:fillRef>
+          <a:effectRef idx="2">
+            <a:schemeClr val="accent1"/>
+          </a:effectRef>
+          <a:fontRef idx="minor">
+            <a:schemeClr val="lt1"/>
+          </a:fontRef>
+        </p:style>
+      </p:sp>
+    </p:spTree>
+    <p:extLst>
+      <p:ext uri="{BB962C8B-B14F-4D97-AF65-F5344CB8AC3E}">
+        <p14:creationId xmlns:p14="http://schemas.microsoft.com/office/powerpoint/2010/main" val="1111229091"/>
+      </p:ext>
+    </p:extLst>
+  </p:cSld>
+  <p:clrMapOvr>
+    <a:masterClrMapping/>
+  </p:clrMapOvr>
+</p:sld>
+</file>
+
+<file path=ppt/slides/slide25.xml><?xml version="1.0" encoding="utf-8"?>
+<p:sld xmlns:a="http://schemas.openxmlformats.org/drawingml/2006/main" xmlns:r="http://schemas.openxmlformats.org/officeDocument/2006/relationships" xmlns:p="http://schemas.openxmlformats.org/presentationml/2006/main">
+  <p:cSld>
+    <p:spTree>
+      <p:nvGrpSpPr>
+        <p:cNvPr id="1" name=""/>
+        <p:cNvGrpSpPr/>
+        <p:nvPr/>
+      </p:nvGrpSpPr>
+      <p:grpSpPr>
+        <a:xfrm>
+          <a:off x="0" y="0"/>
+          <a:ext cx="0" cy="0"/>
+          <a:chOff x="0" y="0"/>
+          <a:chExt cx="0" cy="0"/>
+        </a:xfrm>
+      </p:grpSpPr>
+      <p:sp>
+        <p:nvSpPr>
+          <p:cNvPr id="2" name="Title 1">
+            <a:extLst>
+              <a:ext uri="{FF2B5EF4-FFF2-40B4-BE49-F238E27FC236}">
+                <a16:creationId xmlns:a16="http://schemas.microsoft.com/office/drawing/2014/main" id="{EBA548B4-7FFF-4B06-B00B-BCEB32255855}"/>
+              </a:ext>
+            </a:extLst>
+          </p:cNvPr>
+          <p:cNvSpPr>
+            <a:spLocks noGrp="1"/>
+          </p:cNvSpPr>
+          <p:nvPr>
+            <p:ph type="title"/>
+          </p:nvPr>
+        </p:nvSpPr>
+        <p:spPr/>
+        <p:txBody>
+          <a:bodyPr/>
+          <a:lstStyle/>
+          <a:p>
+            <a:pPr algn="ctr"/>
+            <a:r>
+              <a:rPr lang="en-GB" dirty="0"/>
+              <a:t>Thank you</a:t>
+            </a:r>
+          </a:p>
+        </p:txBody>
+      </p:sp>
+      <p:sp>
+        <p:nvSpPr>
+          <p:cNvPr id="3" name="Content Placeholder 2">
+            <a:extLst>
+              <a:ext uri="{FF2B5EF4-FFF2-40B4-BE49-F238E27FC236}">
+                <a16:creationId xmlns:a16="http://schemas.microsoft.com/office/drawing/2014/main" id="{98C08286-C48D-44E8-BE51-CC5EAF00928B}"/>
+              </a:ext>
+            </a:extLst>
+          </p:cNvPr>
+          <p:cNvSpPr>
+            <a:spLocks noGrp="1"/>
+          </p:cNvSpPr>
+          <p:nvPr>
+            <p:ph idx="1"/>
+          </p:nvPr>
+        </p:nvSpPr>
+        <p:spPr/>
+        <p:txBody>
+          <a:bodyPr/>
+          <a:lstStyle/>
+          <a:p>
+            <a:r>
+              <a:rPr lang="en-GB" dirty="0"/>
+              <a:t>Instructor: Aqeeb Hussain</a:t>
+            </a:r>
+          </a:p>
+          <a:p>
+            <a:r>
+              <a:rPr lang="en-GB"/>
+              <a:t>GitHub: </a:t>
+            </a:r>
+            <a:r>
+              <a:rPr lang="en-GB">
+                <a:hlinkClick r:id="rId2"/>
+              </a:rPr>
+              <a:t>https://github.com/aqeebhussain122/hpc-offensive-security</a:t>
+            </a:r>
+            <a:r>
+              <a:rPr lang="en-GB"/>
+              <a:t> </a:t>
+            </a:r>
+          </a:p>
+        </p:txBody>
+      </p:sp>
+    </p:spTree>
+    <p:extLst>
+      <p:ext uri="{BB962C8B-B14F-4D97-AF65-F5344CB8AC3E}">
+        <p14:creationId xmlns:p14="http://schemas.microsoft.com/office/powerpoint/2010/main" val="1859130341"/>
       </p:ext>
     </p:extLst>
   </p:cSld>

--- a/3 - Offensive Security Tactics for Linux Professionals - Active Reconnaissance.pptx
+++ b/3 - Offensive Security Tactics for Linux Professionals - Active Reconnaissance.pptx
@@ -12177,7 +12177,7 @@
           <a:p>
             <a:fld id="{CAC8DC2F-1056-472E-80EB-EAADF9D565BE}" type="datetimeFigureOut">
               <a:rPr lang="en-GB" smtClean="0"/>
-              <a:t>10/04/2022</a:t>
+              <a:t>11/04/2022</a:t>
             </a:fld>
             <a:endParaRPr lang="en-GB"/>
           </a:p>
@@ -12941,16 +12941,12 @@
           <a:lstStyle/>
           <a:p>
             <a:r>
-              <a:rPr lang="en-GB" dirty="0"/>
-              <a:t>This example is from a previous </a:t>
-            </a:r>
-            <a:r>
-              <a:rPr lang="en-GB" dirty="0" err="1"/>
-              <a:t>pentest</a:t>
+              <a:rPr lang="en-GB"/>
+              <a:t>This </a:t>
             </a:r>
             <a:r>
               <a:rPr lang="en-GB" dirty="0"/>
-              <a:t> which was done on a system in Durham. This part of the test makes use of firewall enumeration in which open ports are enumerated based upon a misconfigured firewall. REJECT rules are used in order to serve as helpful messages to inform external users that they cannot connect to the port they wish to connect to. This is achieved using the ICMP protocol which responds with an administratively prohibited message, however internal ports designed to be protected from external exposure become leaked.</a:t>
+              <a:t>part of the test makes use of firewall enumeration in which open ports are enumerated based upon a misconfigured firewall. REJECT rules are used in order to serve as helpful messages to inform external users that they cannot connect to the port they wish to connect to. This is achieved using the ICMP protocol which responds with an administratively prohibited message, however internal ports designed to be protected from external exposure become leaked.</a:t>
             </a:r>
           </a:p>
         </p:txBody>
@@ -13405,7 +13401,7 @@
             <a:fld id="{B61BEF0D-F0BB-DE4B-95CE-6DB70DBA9567}" type="datetimeFigureOut">
               <a:rPr lang="en-US" dirty="0"/>
               <a:pPr/>
-              <a:t>4/10/2022</a:t>
+              <a:t>4/11/2022</a:t>
             </a:fld>
             <a:endParaRPr lang="en-US" dirty="0"/>
           </a:p>
@@ -13664,7 +13660,7 @@
             <a:fld id="{B61BEF0D-F0BB-DE4B-95CE-6DB70DBA9567}" type="datetimeFigureOut">
               <a:rPr lang="en-US" dirty="0"/>
               <a:pPr/>
-              <a:t>4/10/2022</a:t>
+              <a:t>4/11/2022</a:t>
             </a:fld>
             <a:endParaRPr lang="en-US" dirty="0"/>
           </a:p>
@@ -13896,7 +13892,7 @@
             <a:fld id="{B61BEF0D-F0BB-DE4B-95CE-6DB70DBA9567}" type="datetimeFigureOut">
               <a:rPr lang="en-US" dirty="0"/>
               <a:pPr/>
-              <a:t>4/10/2022</a:t>
+              <a:t>4/11/2022</a:t>
             </a:fld>
             <a:endParaRPr lang="en-US" dirty="0"/>
           </a:p>
@@ -14133,7 +14129,7 @@
             <a:fld id="{B61BEF0D-F0BB-DE4B-95CE-6DB70DBA9567}" type="datetimeFigureOut">
               <a:rPr lang="en-US" dirty="0"/>
               <a:pPr/>
-              <a:t>4/10/2022</a:t>
+              <a:t>4/11/2022</a:t>
             </a:fld>
             <a:endParaRPr lang="en-US" dirty="0"/>
           </a:p>
@@ -14437,7 +14433,7 @@
             <a:fld id="{B61BEF0D-F0BB-DE4B-95CE-6DB70DBA9567}" type="datetimeFigureOut">
               <a:rPr lang="en-US" dirty="0"/>
               <a:pPr/>
-              <a:t>4/10/2022</a:t>
+              <a:t>4/11/2022</a:t>
             </a:fld>
             <a:endParaRPr lang="en-US" dirty="0"/>
           </a:p>
@@ -14736,7 +14732,7 @@
             <a:fld id="{B61BEF0D-F0BB-DE4B-95CE-6DB70DBA9567}" type="datetimeFigureOut">
               <a:rPr lang="en-US" dirty="0"/>
               <a:pPr/>
-              <a:t>4/10/2022</a:t>
+              <a:t>4/11/2022</a:t>
             </a:fld>
             <a:endParaRPr lang="en-US" dirty="0"/>
           </a:p>
@@ -15155,7 +15151,7 @@
             <a:fld id="{B61BEF0D-F0BB-DE4B-95CE-6DB70DBA9567}" type="datetimeFigureOut">
               <a:rPr lang="en-US" dirty="0"/>
               <a:pPr/>
-              <a:t>4/10/2022</a:t>
+              <a:t>4/11/2022</a:t>
             </a:fld>
             <a:endParaRPr lang="en-US" dirty="0"/>
           </a:p>
@@ -15314,7 +15310,7 @@
             <a:fld id="{B61BEF0D-F0BB-DE4B-95CE-6DB70DBA9567}" type="datetimeFigureOut">
               <a:rPr lang="en-US" dirty="0"/>
               <a:pPr/>
-              <a:t>4/10/2022</a:t>
+              <a:t>4/11/2022</a:t>
             </a:fld>
             <a:endParaRPr lang="en-US" dirty="0"/>
           </a:p>
@@ -15406,7 +15402,7 @@
             <a:fld id="{B61BEF0D-F0BB-DE4B-95CE-6DB70DBA9567}" type="datetimeFigureOut">
               <a:rPr lang="en-US" dirty="0"/>
               <a:pPr/>
-              <a:t>4/10/2022</a:t>
+              <a:t>4/11/2022</a:t>
             </a:fld>
             <a:endParaRPr lang="en-US" dirty="0"/>
           </a:p>
@@ -15781,7 +15777,7 @@
             <a:fld id="{B61BEF0D-F0BB-DE4B-95CE-6DB70DBA9567}" type="datetimeFigureOut">
               <a:rPr lang="en-US" dirty="0"/>
               <a:pPr/>
-              <a:t>4/10/2022</a:t>
+              <a:t>4/11/2022</a:t>
             </a:fld>
             <a:endParaRPr lang="en-US" dirty="0"/>
           </a:p>
@@ -16067,7 +16063,7 @@
             <a:fld id="{B61BEF0D-F0BB-DE4B-95CE-6DB70DBA9567}" type="datetimeFigureOut">
               <a:rPr lang="en-US" dirty="0"/>
               <a:pPr/>
-              <a:t>4/10/2022</a:t>
+              <a:t>4/11/2022</a:t>
             </a:fld>
             <a:endParaRPr lang="en-US" dirty="0"/>
           </a:p>
@@ -16275,7 +16271,7 @@
             <a:fld id="{B61BEF0D-F0BB-DE4B-95CE-6DB70DBA9567}" type="datetimeFigureOut">
               <a:rPr lang="en-US" dirty="0"/>
               <a:pPr/>
-              <a:t>4/10/2022</a:t>
+              <a:t>4/11/2022</a:t>
             </a:fld>
             <a:endParaRPr lang="en-US" dirty="0"/>
           </a:p>
@@ -24280,36 +24276,6 @@
           </a:p>
         </p:txBody>
       </p:sp>
-      <p:pic>
-        <p:nvPicPr>
-          <p:cNvPr id="7" name="Picture 6" descr="Text&#10;&#10;Description automatically generated with low confidence">
-            <a:extLst>
-              <a:ext uri="{FF2B5EF4-FFF2-40B4-BE49-F238E27FC236}">
-                <a16:creationId xmlns:a16="http://schemas.microsoft.com/office/drawing/2014/main" id="{2504CC88-C184-423B-A2D4-0C1AA97D82FD}"/>
-              </a:ext>
-            </a:extLst>
-          </p:cNvPr>
-          <p:cNvPicPr>
-            <a:picLocks noChangeAspect="1"/>
-          </p:cNvPicPr>
-          <p:nvPr/>
-        </p:nvPicPr>
-        <p:blipFill>
-          <a:blip r:embed="rId3"/>
-          <a:stretch>
-            <a:fillRect/>
-          </a:stretch>
-        </p:blipFill>
-        <p:spPr>
-          <a:xfrm>
-            <a:off x="1203303" y="1047665"/>
-            <a:ext cx="5970784" cy="5030386"/>
-          </a:xfrm>
-          <a:prstGeom prst="rect">
-            <a:avLst/>
-          </a:prstGeom>
-        </p:spPr>
-      </p:pic>
       <p:sp>
         <p:nvSpPr>
           <p:cNvPr id="22" name="Rectangle 21">
@@ -24403,6 +24369,36 @@
           </a:p>
         </p:txBody>
       </p:sp>
+      <p:pic>
+        <p:nvPicPr>
+          <p:cNvPr id="4" name="Picture 3">
+            <a:extLst>
+              <a:ext uri="{FF2B5EF4-FFF2-40B4-BE49-F238E27FC236}">
+                <a16:creationId xmlns:a16="http://schemas.microsoft.com/office/drawing/2014/main" id="{D2DB407F-D31B-461C-B988-84E32FF3C3C8}"/>
+              </a:ext>
+            </a:extLst>
+          </p:cNvPr>
+          <p:cNvPicPr>
+            <a:picLocks noChangeAspect="1"/>
+          </p:cNvPicPr>
+          <p:nvPr/>
+        </p:nvPicPr>
+        <p:blipFill>
+          <a:blip r:embed="rId3"/>
+          <a:stretch>
+            <a:fillRect/>
+          </a:stretch>
+        </p:blipFill>
+        <p:spPr>
+          <a:xfrm>
+            <a:off x="1255325" y="990143"/>
+            <a:ext cx="5973009" cy="5029902"/>
+          </a:xfrm>
+          <a:prstGeom prst="rect">
+            <a:avLst/>
+          </a:prstGeom>
+        </p:spPr>
+      </p:pic>
     </p:spTree>
     <p:extLst>
       <p:ext uri="{BB962C8B-B14F-4D97-AF65-F5344CB8AC3E}">

--- a/3 - Offensive Security Tactics for Linux Professionals - Active Reconnaissance.pptx
+++ b/3 - Offensive Security Tactics for Linux Professionals - Active Reconnaissance.pptx
@@ -24371,10 +24371,10 @@
       </p:sp>
       <p:pic>
         <p:nvPicPr>
-          <p:cNvPr id="4" name="Picture 3">
+          <p:cNvPr id="5" name="Picture 4">
             <a:extLst>
               <a:ext uri="{FF2B5EF4-FFF2-40B4-BE49-F238E27FC236}">
-                <a16:creationId xmlns:a16="http://schemas.microsoft.com/office/drawing/2014/main" id="{D2DB407F-D31B-461C-B988-84E32FF3C3C8}"/>
+                <a16:creationId xmlns:a16="http://schemas.microsoft.com/office/drawing/2014/main" id="{17548550-8C92-4916-B043-EE0C97DBDEFD}"/>
               </a:ext>
             </a:extLst>
           </p:cNvPr>
@@ -24391,7 +24391,7 @@
         </p:blipFill>
         <p:spPr>
           <a:xfrm>
-            <a:off x="1255325" y="990143"/>
+            <a:off x="1163349" y="1042281"/>
             <a:ext cx="5973009" cy="5029902"/>
           </a:xfrm>
           <a:prstGeom prst="rect">
